--- a/intel_pac_overview.pptx
+++ b/intel_pac_overview.pptx
@@ -7,17 +7,18 @@
     <p:sldMasterId id="2147483676" r:id="rId6"/>
   </p:sldMasterIdLst>
   <p:notesMasterIdLst>
-    <p:notesMasterId r:id="rId15"/>
+    <p:notesMasterId r:id="rId16"/>
   </p:notesMasterIdLst>
   <p:sldIdLst>
     <p:sldId id="321" r:id="rId7"/>
-    <p:sldId id="330" r:id="rId8"/>
-    <p:sldId id="344" r:id="rId9"/>
-    <p:sldId id="345" r:id="rId10"/>
-    <p:sldId id="338" r:id="rId11"/>
-    <p:sldId id="339" r:id="rId12"/>
-    <p:sldId id="341" r:id="rId13"/>
-    <p:sldId id="347" r:id="rId14"/>
+    <p:sldId id="349" r:id="rId8"/>
+    <p:sldId id="330" r:id="rId9"/>
+    <p:sldId id="344" r:id="rId10"/>
+    <p:sldId id="345" r:id="rId11"/>
+    <p:sldId id="338" r:id="rId12"/>
+    <p:sldId id="339" r:id="rId13"/>
+    <p:sldId id="341" r:id="rId14"/>
+    <p:sldId id="347" r:id="rId15"/>
   </p:sldIdLst>
   <p:sldSz cx="12192000" cy="6858000"/>
   <p:notesSz cx="6858000" cy="9144000"/>
@@ -101,6 +102,7 @@
         <p14:section name="Default Section" id="{5C7B5D19-E944-4FD9-9D02-AEA7E8882AB7}">
           <p14:sldIdLst>
             <p14:sldId id="321"/>
+            <p14:sldId id="349"/>
             <p14:sldId id="330"/>
             <p14:sldId id="344"/>
             <p14:sldId id="345"/>
@@ -12289,7 +12291,7 @@
   <p:clrMapOvr>
     <a:masterClrMapping/>
   </p:clrMapOvr>
-  <p:transition spd="med"/>
+  <p:transition spd="med" advTm="26974"/>
   <p:timing>
     <p:tnLst>
       <p:par>
@@ -12329,8 +12331,8 @@
         </p:nvSpPr>
         <p:spPr>
           <a:xfrm>
-            <a:off x="2669137" y="0"/>
-            <a:ext cx="7798551" cy="866180"/>
+            <a:off x="1718360" y="0"/>
+            <a:ext cx="9586948" cy="866180"/>
           </a:xfrm>
         </p:spPr>
         <p:txBody>
@@ -12338,9 +12340,10 @@
           <a:lstStyle/>
           <a:p>
             <a:r>
-              <a:rPr lang="en-US" sz="3200" dirty="0"/>
-              <a:t>Intel Platform Acceleration Card (PAC)</a:t>
-            </a:r>
+              <a:rPr lang="en-US" sz="3600" dirty="0"/>
+              <a:t>Introduction: Heterogeneous Computing</a:t>
+            </a:r>
+            <a:endParaRPr lang="en-US" sz="3600" dirty="0"/>
           </a:p>
         </p:txBody>
       </p:sp>
@@ -12374,7 +12377,757 @@
               </a:pPr>
               <a:t>2</a:t>
             </a:fld>
-            <a:endParaRPr lang="en-US"/>
+            <a:endParaRPr lang="en-US" dirty="0"/>
+          </a:p>
+        </p:txBody>
+      </p:sp>
+      <p:sp>
+        <p:nvSpPr>
+          <p:cNvPr id="10" name="Rectangle 9"/>
+          <p:cNvSpPr/>
+          <p:nvPr/>
+        </p:nvSpPr>
+        <p:spPr>
+          <a:xfrm>
+            <a:off x="8786552" y="4209560"/>
+            <a:ext cx="1088968" cy="841256"/>
+          </a:xfrm>
+          <a:prstGeom prst="rect">
+            <a:avLst/>
+          </a:prstGeom>
+          <a:ln/>
+        </p:spPr>
+        <p:style>
+          <a:lnRef idx="2">
+            <a:schemeClr val="dk1"/>
+          </a:lnRef>
+          <a:fillRef idx="1">
+            <a:schemeClr val="lt1"/>
+          </a:fillRef>
+          <a:effectRef idx="0">
+            <a:schemeClr val="dk1"/>
+          </a:effectRef>
+          <a:fontRef idx="minor">
+            <a:schemeClr val="dk1"/>
+          </a:fontRef>
+        </p:style>
+        <p:txBody>
+          <a:bodyPr rot="0" spcFirstLastPara="1" vertOverflow="overflow" horzOverflow="overflow" vert="horz" wrap="square" lIns="50800" tIns="50800" rIns="50800" bIns="50800" numCol="1" spcCol="38100" rtlCol="0" anchor="ctr">
+            <a:noAutofit/>
+          </a:bodyPr>
+          <a:lstStyle/>
+          <a:p>
+            <a:pPr marL="0" marR="0" indent="0" algn="ctr" defTabSz="584200" rtl="0" fontAlgn="auto" latinLnBrk="1" hangingPunct="0">
+              <a:lnSpc>
+                <a:spcPct val="100000"/>
+              </a:lnSpc>
+              <a:spcBef>
+                <a:spcPts val="0"/>
+              </a:spcBef>
+              <a:spcAft>
+                <a:spcPts val="0"/>
+              </a:spcAft>
+              <a:buClrTx/>
+              <a:buSzTx/>
+              <a:buFontTx/>
+              <a:buNone/>
+              <a:tabLst/>
+            </a:pPr>
+            <a:r>
+              <a:rPr lang="en-US" sz="2800" dirty="0" smtClean="0">
+                <a:solidFill>
+                  <a:schemeClr val="tx1"/>
+                </a:solidFill>
+                <a:effectLst>
+                  <a:outerShdw blurRad="38100" dist="12700" dir="5400000" rotWithShape="0">
+                    <a:srgbClr val="000000">
+                      <a:alpha val="50000"/>
+                    </a:srgbClr>
+                  </a:outerShdw>
+                </a:effectLst>
+                <a:latin typeface="Arial" panose="020B0604020202020204" pitchFamily="34" charset="0"/>
+                <a:ea typeface="Gill Sans"/>
+                <a:cs typeface="Arial" panose="020B0604020202020204" pitchFamily="34" charset="0"/>
+                <a:sym typeface="Gill Sans"/>
+              </a:rPr>
+              <a:t>µ</a:t>
+            </a:r>
+            <a:r>
+              <a:rPr lang="en-US" sz="2800" dirty="0">
+                <a:solidFill>
+                  <a:schemeClr val="tx1"/>
+                </a:solidFill>
+                <a:effectLst>
+                  <a:outerShdw blurRad="38100" dist="12700" dir="5400000" rotWithShape="0">
+                    <a:srgbClr val="000000">
+                      <a:alpha val="50000"/>
+                    </a:srgbClr>
+                  </a:outerShdw>
+                </a:effectLst>
+                <a:latin typeface="Arial" panose="020B0604020202020204" pitchFamily="34" charset="0"/>
+                <a:ea typeface="Gill Sans"/>
+                <a:cs typeface="Arial" panose="020B0604020202020204" pitchFamily="34" charset="0"/>
+                <a:sym typeface="Gill Sans"/>
+              </a:rPr>
+              <a:t>P</a:t>
+            </a:r>
+            <a:endParaRPr kumimoji="0" lang="en-US" sz="2800" b="0" i="0" u="none" strike="noStrike" cap="none" spc="0" normalizeH="0" baseline="0" dirty="0">
+              <a:ln>
+                <a:noFill/>
+              </a:ln>
+              <a:solidFill>
+                <a:schemeClr val="tx1"/>
+              </a:solidFill>
+              <a:effectLst>
+                <a:outerShdw blurRad="38100" dist="12700" dir="5400000" rotWithShape="0">
+                  <a:srgbClr val="000000">
+                    <a:alpha val="50000"/>
+                  </a:srgbClr>
+                </a:outerShdw>
+              </a:effectLst>
+              <a:uFillTx/>
+              <a:latin typeface="Arial" panose="020B0604020202020204" pitchFamily="34" charset="0"/>
+              <a:ea typeface="Gill Sans"/>
+              <a:cs typeface="Arial" panose="020B0604020202020204" pitchFamily="34" charset="0"/>
+              <a:sym typeface="Gill Sans"/>
+            </a:endParaRPr>
+          </a:p>
+        </p:txBody>
+      </p:sp>
+      <p:sp>
+        <p:nvSpPr>
+          <p:cNvPr id="11" name="Rectangle 10"/>
+          <p:cNvSpPr/>
+          <p:nvPr/>
+        </p:nvSpPr>
+        <p:spPr>
+          <a:xfrm>
+            <a:off x="10335489" y="4209560"/>
+            <a:ext cx="1584961" cy="841256"/>
+          </a:xfrm>
+          <a:prstGeom prst="rect">
+            <a:avLst/>
+          </a:prstGeom>
+          <a:ln/>
+        </p:spPr>
+        <p:style>
+          <a:lnRef idx="2">
+            <a:schemeClr val="dk1"/>
+          </a:lnRef>
+          <a:fillRef idx="1">
+            <a:schemeClr val="lt1"/>
+          </a:fillRef>
+          <a:effectRef idx="0">
+            <a:schemeClr val="dk1"/>
+          </a:effectRef>
+          <a:fontRef idx="minor">
+            <a:schemeClr val="dk1"/>
+          </a:fontRef>
+        </p:style>
+        <p:txBody>
+          <a:bodyPr rot="0" spcFirstLastPara="1" vertOverflow="overflow" horzOverflow="overflow" vert="horz" wrap="square" lIns="50800" tIns="50800" rIns="50800" bIns="50800" numCol="1" spcCol="38100" rtlCol="0" anchor="ctr">
+            <a:spAutoFit/>
+          </a:bodyPr>
+          <a:lstStyle/>
+          <a:p>
+            <a:pPr algn="ctr" defTabSz="584200" rtl="0" latinLnBrk="1" hangingPunct="0"/>
+            <a:r>
+              <a:rPr lang="en-US" sz="2400" dirty="0">
+                <a:solidFill>
+                  <a:schemeClr val="tx1"/>
+                </a:solidFill>
+                <a:effectLst>
+                  <a:outerShdw blurRad="38100" dist="12700" dir="5400000" rotWithShape="0">
+                    <a:srgbClr val="000000">
+                      <a:alpha val="50000"/>
+                    </a:srgbClr>
+                  </a:outerShdw>
+                </a:effectLst>
+                <a:latin typeface="Arial" panose="020B0604020202020204" pitchFamily="34" charset="0"/>
+                <a:ea typeface="Gill Sans"/>
+                <a:cs typeface="Arial" panose="020B0604020202020204" pitchFamily="34" charset="0"/>
+                <a:sym typeface="Gill Sans"/>
+              </a:rPr>
+              <a:t>FPGA</a:t>
+            </a:r>
+            <a:r>
+              <a:rPr lang="en-US" sz="2400" dirty="0" smtClean="0">
+                <a:solidFill>
+                  <a:schemeClr val="tx1"/>
+                </a:solidFill>
+                <a:effectLst>
+                  <a:outerShdw blurRad="38100" dist="12700" dir="5400000" rotWithShape="0">
+                    <a:srgbClr val="000000">
+                      <a:alpha val="50000"/>
+                    </a:srgbClr>
+                  </a:outerShdw>
+                </a:effectLst>
+                <a:latin typeface="Arial" panose="020B0604020202020204" pitchFamily="34" charset="0"/>
+                <a:ea typeface="Gill Sans"/>
+                <a:cs typeface="Arial" panose="020B0604020202020204" pitchFamily="34" charset="0"/>
+                <a:sym typeface="Gill Sans"/>
+              </a:rPr>
+              <a:t>/</a:t>
+            </a:r>
+          </a:p>
+          <a:p>
+            <a:pPr algn="ctr" defTabSz="584200" rtl="0" latinLnBrk="1" hangingPunct="0"/>
+            <a:r>
+              <a:rPr lang="en-US" sz="2400" dirty="0" smtClean="0">
+                <a:solidFill>
+                  <a:schemeClr val="tx1"/>
+                </a:solidFill>
+                <a:effectLst>
+                  <a:outerShdw blurRad="38100" dist="12700" dir="5400000" rotWithShape="0">
+                    <a:srgbClr val="000000">
+                      <a:alpha val="50000"/>
+                    </a:srgbClr>
+                  </a:outerShdw>
+                </a:effectLst>
+                <a:latin typeface="Arial" panose="020B0604020202020204" pitchFamily="34" charset="0"/>
+                <a:ea typeface="Gill Sans"/>
+                <a:cs typeface="Arial" panose="020B0604020202020204" pitchFamily="34" charset="0"/>
+                <a:sym typeface="Gill Sans"/>
+              </a:rPr>
+              <a:t>GPU</a:t>
+            </a:r>
+            <a:endParaRPr lang="en-US" sz="2400" dirty="0">
+              <a:solidFill>
+                <a:schemeClr val="tx1"/>
+              </a:solidFill>
+              <a:effectLst>
+                <a:outerShdw blurRad="38100" dist="12700" dir="5400000" rotWithShape="0">
+                  <a:srgbClr val="000000">
+                    <a:alpha val="50000"/>
+                  </a:srgbClr>
+                </a:outerShdw>
+              </a:effectLst>
+              <a:latin typeface="Arial" panose="020B0604020202020204" pitchFamily="34" charset="0"/>
+              <a:ea typeface="Gill Sans"/>
+              <a:cs typeface="Arial" panose="020B0604020202020204" pitchFamily="34" charset="0"/>
+              <a:sym typeface="Gill Sans"/>
+            </a:endParaRPr>
+          </a:p>
+        </p:txBody>
+      </p:sp>
+      <p:cxnSp>
+        <p:nvCxnSpPr>
+          <p:cNvPr id="12" name="Straight Arrow Connector 11"/>
+          <p:cNvCxnSpPr>
+            <a:stCxn id="10" idx="3"/>
+            <a:endCxn id="11" idx="1"/>
+          </p:cNvCxnSpPr>
+          <p:nvPr/>
+        </p:nvCxnSpPr>
+        <p:spPr>
+          <a:xfrm>
+            <a:off x="9875520" y="4630188"/>
+            <a:ext cx="459969" cy="0"/>
+          </a:xfrm>
+          <a:prstGeom prst="straightConnector1">
+            <a:avLst/>
+          </a:prstGeom>
+          <a:noFill/>
+          <a:ln w="38100" cap="flat">
+            <a:solidFill>
+              <a:srgbClr val="000000"/>
+            </a:solidFill>
+            <a:prstDash val="solid"/>
+            <a:miter lim="400000"/>
+            <a:headEnd type="triangle"/>
+            <a:tailEnd type="triangle"/>
+          </a:ln>
+          <a:effectLst/>
+        </p:spPr>
+        <p:style>
+          <a:lnRef idx="0">
+            <a:scrgbClr r="0" g="0" b="0"/>
+          </a:lnRef>
+          <a:fillRef idx="0">
+            <a:scrgbClr r="0" g="0" b="0"/>
+          </a:fillRef>
+          <a:effectRef idx="0">
+            <a:scrgbClr r="0" g="0" b="0"/>
+          </a:effectRef>
+          <a:fontRef idx="none"/>
+        </p:style>
+      </p:cxnSp>
+      <p:sp>
+        <p:nvSpPr>
+          <p:cNvPr id="13" name="Folded Corner 12"/>
+          <p:cNvSpPr/>
+          <p:nvPr/>
+        </p:nvSpPr>
+        <p:spPr>
+          <a:xfrm>
+            <a:off x="8265390" y="1768750"/>
+            <a:ext cx="2131292" cy="1767416"/>
+          </a:xfrm>
+          <a:prstGeom prst="foldedCorner">
+            <a:avLst/>
+          </a:prstGeom>
+          <a:ln/>
+        </p:spPr>
+        <p:style>
+          <a:lnRef idx="2">
+            <a:schemeClr val="dk1"/>
+          </a:lnRef>
+          <a:fillRef idx="1">
+            <a:schemeClr val="lt1"/>
+          </a:fillRef>
+          <a:effectRef idx="0">
+            <a:schemeClr val="dk1"/>
+          </a:effectRef>
+          <a:fontRef idx="minor">
+            <a:schemeClr val="dk1"/>
+          </a:fontRef>
+        </p:style>
+        <p:txBody>
+          <a:bodyPr rot="0" spcFirstLastPara="1" vertOverflow="overflow" horzOverflow="overflow" vert="horz" wrap="square" lIns="50800" tIns="50800" rIns="50800" bIns="50800" numCol="1" spcCol="38100" rtlCol="0" fromWordArt="0" anchor="ctr" anchorCtr="0" forceAA="0" compatLnSpc="1">
+            <a:prstTxWarp prst="textNoShape">
+              <a:avLst/>
+            </a:prstTxWarp>
+            <a:noAutofit/>
+          </a:bodyPr>
+          <a:lstStyle/>
+          <a:p>
+            <a:pPr algn="l" defTabSz="584200" rtl="0" latinLnBrk="1" hangingPunct="0"/>
+            <a:r>
+              <a:rPr lang="en-US" sz="1600" dirty="0" err="1">
+                <a:solidFill>
+                  <a:schemeClr val="tx1"/>
+                </a:solidFill>
+                <a:latin typeface="Courier New" panose="02070309020205020404" pitchFamily="49" charset="0"/>
+                <a:ea typeface="Gill Sans"/>
+                <a:cs typeface="Courier New" panose="02070309020205020404" pitchFamily="49" charset="0"/>
+                <a:sym typeface="Gill Sans"/>
+              </a:rPr>
+              <a:t>i</a:t>
+            </a:r>
+            <a:r>
+              <a:rPr lang="en-US" sz="1600" dirty="0" err="1" smtClean="0">
+                <a:solidFill>
+                  <a:schemeClr val="tx1"/>
+                </a:solidFill>
+                <a:latin typeface="Courier New" panose="02070309020205020404" pitchFamily="49" charset="0"/>
+                <a:ea typeface="Gill Sans"/>
+                <a:cs typeface="Courier New" panose="02070309020205020404" pitchFamily="49" charset="0"/>
+                <a:sym typeface="Gill Sans"/>
+              </a:rPr>
+              <a:t>nt</a:t>
+            </a:r>
+            <a:r>
+              <a:rPr lang="en-US" sz="1600" dirty="0" smtClean="0">
+                <a:solidFill>
+                  <a:schemeClr val="tx1"/>
+                </a:solidFill>
+                <a:latin typeface="Courier New" panose="02070309020205020404" pitchFamily="49" charset="0"/>
+                <a:ea typeface="Gill Sans"/>
+                <a:cs typeface="Courier New" panose="02070309020205020404" pitchFamily="49" charset="0"/>
+                <a:sym typeface="Gill Sans"/>
+              </a:rPr>
+              <a:t> main() {</a:t>
+            </a:r>
+          </a:p>
+          <a:p>
+            <a:pPr algn="l" defTabSz="584200" rtl="0" latinLnBrk="1" hangingPunct="0"/>
+            <a:r>
+              <a:rPr lang="en-US" sz="1600" dirty="0">
+                <a:solidFill>
+                  <a:schemeClr val="tx1"/>
+                </a:solidFill>
+                <a:latin typeface="Courier New" panose="02070309020205020404" pitchFamily="49" charset="0"/>
+                <a:ea typeface="Gill Sans"/>
+                <a:cs typeface="Courier New" panose="02070309020205020404" pitchFamily="49" charset="0"/>
+                <a:sym typeface="Gill Sans"/>
+              </a:rPr>
+              <a:t> </a:t>
+            </a:r>
+            <a:r>
+              <a:rPr lang="en-US" sz="1600" dirty="0" smtClean="0">
+                <a:solidFill>
+                  <a:schemeClr val="tx1"/>
+                </a:solidFill>
+                <a:latin typeface="Courier New" panose="02070309020205020404" pitchFamily="49" charset="0"/>
+                <a:ea typeface="Gill Sans"/>
+                <a:cs typeface="Courier New" panose="02070309020205020404" pitchFamily="49" charset="0"/>
+                <a:sym typeface="Gill Sans"/>
+              </a:rPr>
+              <a:t> …</a:t>
+            </a:r>
+          </a:p>
+          <a:p>
+            <a:pPr algn="l" defTabSz="584200" rtl="0" latinLnBrk="1" hangingPunct="0"/>
+            <a:r>
+              <a:rPr lang="en-US" sz="1600" i="1" dirty="0">
+                <a:solidFill>
+                  <a:schemeClr val="tx1"/>
+                </a:solidFill>
+                <a:latin typeface="Courier New" panose="02070309020205020404" pitchFamily="49" charset="0"/>
+                <a:ea typeface="Gill Sans"/>
+                <a:cs typeface="Courier New" panose="02070309020205020404" pitchFamily="49" charset="0"/>
+                <a:sym typeface="Gill Sans"/>
+              </a:rPr>
+              <a:t> </a:t>
+            </a:r>
+            <a:r>
+              <a:rPr lang="en-US" sz="1600" i="1" dirty="0" smtClean="0">
+                <a:solidFill>
+                  <a:schemeClr val="tx1"/>
+                </a:solidFill>
+                <a:latin typeface="Courier New" panose="02070309020205020404" pitchFamily="49" charset="0"/>
+                <a:ea typeface="Gill Sans"/>
+                <a:cs typeface="Courier New" panose="02070309020205020404" pitchFamily="49" charset="0"/>
+                <a:sym typeface="Gill Sans"/>
+              </a:rPr>
+              <a:t> </a:t>
+            </a:r>
+            <a:r>
+              <a:rPr lang="en-US" sz="1600" i="1" dirty="0" err="1" smtClean="0">
+                <a:solidFill>
+                  <a:schemeClr val="tx1"/>
+                </a:solidFill>
+                <a:latin typeface="Courier New" panose="02070309020205020404" pitchFamily="49" charset="0"/>
+                <a:ea typeface="Gill Sans"/>
+                <a:cs typeface="Courier New" panose="02070309020205020404" pitchFamily="49" charset="0"/>
+                <a:sym typeface="Gill Sans"/>
+              </a:rPr>
+              <a:t>slow_func</a:t>
+            </a:r>
+            <a:r>
+              <a:rPr lang="en-US" sz="1600" i="1" dirty="0" smtClean="0">
+                <a:solidFill>
+                  <a:schemeClr val="tx1"/>
+                </a:solidFill>
+                <a:latin typeface="Courier New" panose="02070309020205020404" pitchFamily="49" charset="0"/>
+                <a:ea typeface="Gill Sans"/>
+                <a:cs typeface="Courier New" panose="02070309020205020404" pitchFamily="49" charset="0"/>
+                <a:sym typeface="Gill Sans"/>
+              </a:rPr>
+              <a:t>();</a:t>
+            </a:r>
+          </a:p>
+          <a:p>
+            <a:pPr algn="l" defTabSz="584200" rtl="0" latinLnBrk="1" hangingPunct="0"/>
+            <a:r>
+              <a:rPr lang="en-US" sz="1600" dirty="0" smtClean="0">
+                <a:solidFill>
+                  <a:schemeClr val="tx1"/>
+                </a:solidFill>
+                <a:latin typeface="Courier New" panose="02070309020205020404" pitchFamily="49" charset="0"/>
+                <a:ea typeface="Gill Sans"/>
+                <a:cs typeface="Courier New" panose="02070309020205020404" pitchFamily="49" charset="0"/>
+                <a:sym typeface="Gill Sans"/>
+              </a:rPr>
+              <a:t>  …</a:t>
+            </a:r>
+          </a:p>
+          <a:p>
+            <a:pPr algn="l" defTabSz="584200" rtl="0" latinLnBrk="1" hangingPunct="0"/>
+            <a:r>
+              <a:rPr lang="en-US" sz="1600" dirty="0">
+                <a:solidFill>
+                  <a:schemeClr val="tx1"/>
+                </a:solidFill>
+                <a:latin typeface="Courier New" panose="02070309020205020404" pitchFamily="49" charset="0"/>
+                <a:ea typeface="Gill Sans"/>
+                <a:cs typeface="Courier New" panose="02070309020205020404" pitchFamily="49" charset="0"/>
+                <a:sym typeface="Gill Sans"/>
+              </a:rPr>
+              <a:t>}</a:t>
+            </a:r>
+            <a:endParaRPr lang="en-US" sz="1600" dirty="0">
+              <a:solidFill>
+                <a:schemeClr val="tx1"/>
+              </a:solidFill>
+              <a:latin typeface="Courier New" panose="02070309020205020404" pitchFamily="49" charset="0"/>
+              <a:ea typeface="Gill Sans"/>
+              <a:cs typeface="Courier New" panose="02070309020205020404" pitchFamily="49" charset="0"/>
+              <a:sym typeface="Gill Sans"/>
+            </a:endParaRPr>
+          </a:p>
+        </p:txBody>
+      </p:sp>
+      <p:cxnSp>
+        <p:nvCxnSpPr>
+          <p:cNvPr id="14" name="Straight Arrow Connector 13"/>
+          <p:cNvCxnSpPr>
+            <a:stCxn id="13" idx="2"/>
+            <a:endCxn id="10" idx="0"/>
+          </p:cNvCxnSpPr>
+          <p:nvPr/>
+        </p:nvCxnSpPr>
+        <p:spPr>
+          <a:xfrm>
+            <a:off x="9331036" y="3536166"/>
+            <a:ext cx="0" cy="673394"/>
+          </a:xfrm>
+          <a:prstGeom prst="straightConnector1">
+            <a:avLst/>
+          </a:prstGeom>
+          <a:noFill/>
+          <a:ln w="38100" cap="flat">
+            <a:solidFill>
+              <a:srgbClr val="000000"/>
+            </a:solidFill>
+            <a:prstDash val="solid"/>
+            <a:miter lim="400000"/>
+            <a:tailEnd type="triangle"/>
+          </a:ln>
+          <a:effectLst/>
+        </p:spPr>
+        <p:style>
+          <a:lnRef idx="0">
+            <a:scrgbClr r="0" g="0" b="0"/>
+          </a:lnRef>
+          <a:fillRef idx="0">
+            <a:scrgbClr r="0" g="0" b="0"/>
+          </a:fillRef>
+          <a:effectRef idx="0">
+            <a:scrgbClr r="0" g="0" b="0"/>
+          </a:effectRef>
+          <a:fontRef idx="none"/>
+        </p:style>
+      </p:cxnSp>
+      <p:cxnSp>
+        <p:nvCxnSpPr>
+          <p:cNvPr id="15" name="Elbow Connector 14"/>
+          <p:cNvCxnSpPr>
+            <a:endCxn id="11" idx="0"/>
+          </p:cNvCxnSpPr>
+          <p:nvPr/>
+        </p:nvCxnSpPr>
+        <p:spPr>
+          <a:xfrm rot="16200000" flipH="1">
+            <a:off x="9763485" y="2845074"/>
+            <a:ext cx="1706505" cy="1022466"/>
+          </a:xfrm>
+          <a:prstGeom prst="bentConnector3">
+            <a:avLst>
+              <a:gd name="adj1" fmla="val 1288"/>
+            </a:avLst>
+          </a:prstGeom>
+          <a:noFill/>
+          <a:ln w="38100" cap="flat">
+            <a:solidFill>
+              <a:srgbClr val="000000"/>
+            </a:solidFill>
+            <a:prstDash val="solid"/>
+            <a:miter lim="400000"/>
+            <a:tailEnd type="triangle"/>
+          </a:ln>
+          <a:effectLst/>
+        </p:spPr>
+        <p:style>
+          <a:lnRef idx="0">
+            <a:scrgbClr r="0" g="0" b="0"/>
+          </a:lnRef>
+          <a:fillRef idx="0">
+            <a:scrgbClr r="0" g="0" b="0"/>
+          </a:fillRef>
+          <a:effectRef idx="0">
+            <a:scrgbClr r="0" g="0" b="0"/>
+          </a:effectRef>
+          <a:fontRef idx="none"/>
+        </p:style>
+      </p:cxnSp>
+      <p:sp>
+        <p:nvSpPr>
+          <p:cNvPr id="16" name="Text Placeholder 1"/>
+          <p:cNvSpPr>
+            <a:spLocks noGrp="1"/>
+          </p:cNvSpPr>
+          <p:nvPr>
+            <p:ph type="body" sz="quarter" idx="11"/>
+          </p:nvPr>
+        </p:nvSpPr>
+        <p:spPr>
+          <a:xfrm>
+            <a:off x="229898" y="1315518"/>
+            <a:ext cx="7898102" cy="5078791"/>
+          </a:xfrm>
+        </p:spPr>
+        <p:txBody>
+          <a:bodyPr/>
+          <a:lstStyle/>
+          <a:p>
+            <a:r>
+              <a:rPr lang="en-US" dirty="0" smtClean="0"/>
+              <a:t>General-purpose microprocessors are flexible</a:t>
+            </a:r>
+          </a:p>
+          <a:p>
+            <a:pPr lvl="1"/>
+            <a:r>
+              <a:rPr lang="en-US" dirty="0" smtClean="0"/>
+              <a:t>But, can be slow for some types of computation</a:t>
+            </a:r>
+          </a:p>
+          <a:p>
+            <a:pPr lvl="1"/>
+            <a:endParaRPr lang="en-US" dirty="0" smtClean="0"/>
+          </a:p>
+          <a:p>
+            <a:r>
+              <a:rPr lang="en-US" dirty="0" smtClean="0"/>
+              <a:t>Heterogeneous computing</a:t>
+            </a:r>
+          </a:p>
+          <a:p>
+            <a:pPr lvl="1"/>
+            <a:r>
+              <a:rPr lang="en-US" dirty="0" smtClean="0"/>
+              <a:t>Partition app across different computing resources</a:t>
+            </a:r>
+          </a:p>
+          <a:p>
+            <a:pPr lvl="1"/>
+            <a:r>
+              <a:rPr lang="en-US" dirty="0" smtClean="0"/>
+              <a:t>Use “accelerators” for intensive functions</a:t>
+            </a:r>
+          </a:p>
+          <a:p>
+            <a:pPr lvl="2"/>
+            <a:r>
+              <a:rPr lang="en-US" dirty="0" smtClean="0"/>
+              <a:t>Often provide much higher parallelism than microprocessor</a:t>
+            </a:r>
+          </a:p>
+          <a:p>
+            <a:pPr lvl="2"/>
+            <a:r>
+              <a:rPr lang="en-US" dirty="0"/>
+              <a:t>Microprocessor handles less intensive </a:t>
+            </a:r>
+            <a:r>
+              <a:rPr lang="en-US" dirty="0" smtClean="0"/>
+              <a:t>parts</a:t>
+            </a:r>
+          </a:p>
+          <a:p>
+            <a:pPr lvl="1"/>
+            <a:r>
+              <a:rPr lang="en-US" dirty="0" smtClean="0"/>
+              <a:t>Examples:</a:t>
+            </a:r>
+          </a:p>
+          <a:p>
+            <a:pPr lvl="2"/>
+            <a:r>
+              <a:rPr lang="en-US" dirty="0"/>
+              <a:t>Microprocessor + </a:t>
+            </a:r>
+            <a:r>
+              <a:rPr lang="en-US" dirty="0" smtClean="0"/>
+              <a:t>GPU</a:t>
+            </a:r>
+          </a:p>
+          <a:p>
+            <a:pPr lvl="2"/>
+            <a:r>
+              <a:rPr lang="en-US" dirty="0" smtClean="0"/>
+              <a:t>Microprocessor + FPGA (field-programmable gate array)</a:t>
+            </a:r>
+          </a:p>
+        </p:txBody>
+      </p:sp>
+    </p:spTree>
+    <p:extLst>
+      <p:ext uri="{BB962C8B-B14F-4D97-AF65-F5344CB8AC3E}">
+        <p14:creationId xmlns:p14="http://schemas.microsoft.com/office/powerpoint/2010/main" val="1333834216"/>
+      </p:ext>
+    </p:extLst>
+  </p:cSld>
+  <p:clrMapOvr>
+    <a:masterClrMapping/>
+  </p:clrMapOvr>
+  <p:transition spd="med" advTm="95377"/>
+  <p:timing>
+    <p:tnLst>
+      <p:par>
+        <p:cTn id="1" dur="indefinite" restart="never" nodeType="tmRoot"/>
+      </p:par>
+    </p:tnLst>
+  </p:timing>
+</p:sld>
+</file>
+
+<file path=ppt/slides/slide3.xml><?xml version="1.0" encoding="utf-8"?>
+<p:sld xmlns:a="http://schemas.openxmlformats.org/drawingml/2006/main" xmlns:r="http://schemas.openxmlformats.org/officeDocument/2006/relationships" xmlns:p="http://schemas.openxmlformats.org/presentationml/2006/main">
+  <p:cSld>
+    <p:spTree>
+      <p:nvGrpSpPr>
+        <p:cNvPr id="1" name=""/>
+        <p:cNvGrpSpPr/>
+        <p:nvPr/>
+      </p:nvGrpSpPr>
+      <p:grpSpPr>
+        <a:xfrm>
+          <a:off x="0" y="0"/>
+          <a:ext cx="0" cy="0"/>
+          <a:chOff x="0" y="0"/>
+          <a:chExt cx="0" cy="0"/>
+        </a:xfrm>
+      </p:grpSpPr>
+      <p:sp>
+        <p:nvSpPr>
+          <p:cNvPr id="2" name="Title 1"/>
+          <p:cNvSpPr>
+            <a:spLocks noGrp="1"/>
+          </p:cNvSpPr>
+          <p:nvPr>
+            <p:ph type="title"/>
+          </p:nvPr>
+        </p:nvSpPr>
+        <p:spPr>
+          <a:xfrm>
+            <a:off x="1727597" y="0"/>
+            <a:ext cx="7798551" cy="866180"/>
+          </a:xfrm>
+        </p:spPr>
+        <p:txBody>
+          <a:bodyPr/>
+          <a:lstStyle/>
+          <a:p>
+            <a:r>
+              <a:rPr lang="en-US" sz="3200" dirty="0"/>
+              <a:t>Intel Platform Acceleration Card (PAC)</a:t>
+            </a:r>
+          </a:p>
+        </p:txBody>
+      </p:sp>
+      <p:sp>
+        <p:nvSpPr>
+          <p:cNvPr id="4" name="Slide Number Placeholder 3"/>
+          <p:cNvSpPr>
+            <a:spLocks noGrp="1"/>
+          </p:cNvSpPr>
+          <p:nvPr>
+            <p:ph type="sldNum" sz="quarter" idx="10"/>
+          </p:nvPr>
+        </p:nvSpPr>
+        <p:spPr>
+          <a:xfrm>
+            <a:off x="6051121" y="6510169"/>
+            <a:ext cx="89768" cy="194669"/>
+          </a:xfrm>
+        </p:spPr>
+        <p:txBody>
+          <a:bodyPr/>
+          <a:lstStyle/>
+          <a:p>
+            <a:pPr>
+              <a:defRPr/>
+            </a:pPr>
+            <a:fld id="{D3046D45-FC88-4EF3-BBF3-C3E9EDC4F79A}" type="slidenum">
+              <a:rPr lang="en-US" smtClean="0"/>
+              <a:pPr>
+                <a:defRPr/>
+              </a:pPr>
+              <a:t>3</a:t>
+            </a:fld>
+            <a:endParaRPr lang="en-US" dirty="0"/>
           </a:p>
         </p:txBody>
       </p:sp>
@@ -12601,222 +13354,7 @@
   <p:clrMapOvr>
     <a:masterClrMapping/>
   </p:clrMapOvr>
-  <p:transition spd="med"/>
-  <p:timing>
-    <p:tnLst>
-      <p:par>
-        <p:cTn id="1" dur="indefinite" restart="never" nodeType="tmRoot"/>
-      </p:par>
-    </p:tnLst>
-  </p:timing>
-</p:sld>
-</file>
-
-<file path=ppt/slides/slide3.xml><?xml version="1.0" encoding="utf-8"?>
-<p:sld xmlns:a="http://schemas.openxmlformats.org/drawingml/2006/main" xmlns:r="http://schemas.openxmlformats.org/officeDocument/2006/relationships" xmlns:p="http://schemas.openxmlformats.org/presentationml/2006/main">
-  <p:cSld>
-    <p:spTree>
-      <p:nvGrpSpPr>
-        <p:cNvPr id="1" name=""/>
-        <p:cNvGrpSpPr/>
-        <p:nvPr/>
-      </p:nvGrpSpPr>
-      <p:grpSpPr>
-        <a:xfrm>
-          <a:off x="0" y="0"/>
-          <a:ext cx="0" cy="0"/>
-          <a:chOff x="0" y="0"/>
-          <a:chExt cx="0" cy="0"/>
-        </a:xfrm>
-      </p:grpSpPr>
-      <p:sp>
-        <p:nvSpPr>
-          <p:cNvPr id="2" name="Title 1"/>
-          <p:cNvSpPr>
-            <a:spLocks noGrp="1"/>
-          </p:cNvSpPr>
-          <p:nvPr>
-            <p:ph type="title"/>
-          </p:nvPr>
-        </p:nvSpPr>
-        <p:spPr>
-          <a:xfrm>
-            <a:off x="3387634" y="0"/>
-            <a:ext cx="7080054" cy="866180"/>
-          </a:xfrm>
-        </p:spPr>
-        <p:txBody>
-          <a:bodyPr/>
-          <a:lstStyle/>
-          <a:p>
-            <a:r>
-              <a:rPr lang="en-US" dirty="0" smtClean="0"/>
-              <a:t>PAC Applications</a:t>
-            </a:r>
-            <a:endParaRPr lang="en-US" dirty="0"/>
-          </a:p>
-        </p:txBody>
-      </p:sp>
-      <p:sp>
-        <p:nvSpPr>
-          <p:cNvPr id="4" name="Slide Number Placeholder 3"/>
-          <p:cNvSpPr>
-            <a:spLocks noGrp="1"/>
-          </p:cNvSpPr>
-          <p:nvPr>
-            <p:ph type="sldNum" sz="quarter" idx="10"/>
-          </p:nvPr>
-        </p:nvSpPr>
-        <p:spPr>
-          <a:xfrm>
-            <a:off x="6051121" y="6510169"/>
-            <a:ext cx="89768" cy="194669"/>
-          </a:xfrm>
-        </p:spPr>
-        <p:txBody>
-          <a:bodyPr/>
-          <a:lstStyle/>
-          <a:p>
-            <a:pPr>
-              <a:defRPr/>
-            </a:pPr>
-            <a:fld id="{D3046D45-FC88-4EF3-BBF3-C3E9EDC4F79A}" type="slidenum">
-              <a:rPr lang="en-US" smtClean="0"/>
-              <a:pPr>
-                <a:defRPr/>
-              </a:pPr>
-              <a:t>3</a:t>
-            </a:fld>
-            <a:endParaRPr lang="en-US"/>
-          </a:p>
-        </p:txBody>
-      </p:sp>
-      <p:sp>
-        <p:nvSpPr>
-          <p:cNvPr id="3" name="Text Placeholder 2"/>
-          <p:cNvSpPr>
-            <a:spLocks noGrp="1"/>
-          </p:cNvSpPr>
-          <p:nvPr>
-            <p:ph type="body" sz="quarter" idx="11"/>
-          </p:nvPr>
-        </p:nvSpPr>
-        <p:spPr>
-          <a:xfrm>
-            <a:off x="1823108" y="1148779"/>
-            <a:ext cx="8844891" cy="5078791"/>
-          </a:xfrm>
-        </p:spPr>
-        <p:txBody>
-          <a:bodyPr/>
-          <a:lstStyle/>
-          <a:p>
-            <a:r>
-              <a:rPr lang="en-US" sz="2400" dirty="0"/>
-              <a:t>Where is PAC used?</a:t>
-            </a:r>
-          </a:p>
-          <a:p>
-            <a:pPr lvl="1"/>
-            <a:r>
-              <a:rPr lang="en-US" sz="2000" dirty="0"/>
-              <a:t>Networking</a:t>
-            </a:r>
-          </a:p>
-          <a:p>
-            <a:pPr lvl="2"/>
-            <a:r>
-              <a:rPr lang="en-US" sz="1600" dirty="0"/>
-              <a:t>Security, monitoring, function virtualization</a:t>
-            </a:r>
-          </a:p>
-          <a:p>
-            <a:pPr lvl="1"/>
-            <a:r>
-              <a:rPr lang="en-US" sz="2000" dirty="0"/>
-              <a:t>Streaming analytics</a:t>
-            </a:r>
-          </a:p>
-          <a:p>
-            <a:pPr lvl="1"/>
-            <a:r>
-              <a:rPr lang="en-US" sz="2000" dirty="0"/>
-              <a:t>Financial technology (Fintech)</a:t>
-            </a:r>
-          </a:p>
-          <a:p>
-            <a:pPr lvl="2"/>
-            <a:r>
-              <a:rPr lang="en-US" sz="1600" dirty="0"/>
-              <a:t>Banking, investment, risk management</a:t>
-            </a:r>
-          </a:p>
-          <a:p>
-            <a:pPr lvl="1"/>
-            <a:r>
-              <a:rPr lang="en-US" sz="2000" dirty="0"/>
-              <a:t>Genomic sequencing</a:t>
-            </a:r>
-          </a:p>
-          <a:p>
-            <a:pPr lvl="1"/>
-            <a:r>
-              <a:rPr lang="en-US" sz="2000" dirty="0"/>
-              <a:t>Video transcoding, media processing</a:t>
-            </a:r>
-          </a:p>
-          <a:p>
-            <a:pPr lvl="1"/>
-            <a:r>
-              <a:rPr lang="en-US" sz="2000" dirty="0"/>
-              <a:t>Machine learning</a:t>
-            </a:r>
-          </a:p>
-          <a:p>
-            <a:pPr lvl="1"/>
-            <a:r>
-              <a:rPr lang="en-US" sz="2000" dirty="0"/>
-              <a:t>Anything with significant parallelism</a:t>
-            </a:r>
-          </a:p>
-          <a:p>
-            <a:pPr marL="461962" lvl="1" indent="0">
-              <a:buNone/>
-            </a:pPr>
-            <a:endParaRPr lang="en-US" sz="2000" dirty="0"/>
-          </a:p>
-          <a:p>
-            <a:r>
-              <a:rPr lang="en-US" sz="2400" dirty="0"/>
-              <a:t>See Intel FPGA Acceleration Hub for detailed examples</a:t>
-            </a:r>
-          </a:p>
-          <a:p>
-            <a:pPr lvl="1"/>
-            <a:r>
-              <a:rPr lang="en-US" sz="1800" dirty="0">
-                <a:hlinkClick r:id="rId2"/>
-              </a:rPr>
-              <a:t>https://www.intel.com/content/www/us/en/programmable/solutions/acceleration-hub/solutions.html</a:t>
-            </a:r>
-            <a:endParaRPr lang="en-US" sz="1800" dirty="0"/>
-          </a:p>
-          <a:p>
-            <a:endParaRPr lang="en-US" dirty="0"/>
-          </a:p>
-        </p:txBody>
-      </p:sp>
-    </p:spTree>
-    <p:extLst>
-      <p:ext uri="{BB962C8B-B14F-4D97-AF65-F5344CB8AC3E}">
-        <p14:creationId xmlns:p14="http://schemas.microsoft.com/office/powerpoint/2010/main" val="1017356085"/>
-      </p:ext>
-    </p:extLst>
-  </p:cSld>
-  <p:clrMapOvr>
-    <a:masterClrMapping/>
-  </p:clrMapOvr>
-  <p:transition spd="med"/>
+  <p:transition spd="med" advTm="95377"/>
   <p:timing>
     <p:tnLst>
       <p:par>
@@ -12856,8 +13394,8 @@
         </p:nvSpPr>
         <p:spPr>
           <a:xfrm>
-            <a:off x="3483429" y="0"/>
-            <a:ext cx="6984259" cy="866180"/>
+            <a:off x="1734324" y="0"/>
+            <a:ext cx="7080054" cy="866180"/>
           </a:xfrm>
         </p:spPr>
         <p:txBody>
@@ -12866,7 +13404,7 @@
           <a:p>
             <a:r>
               <a:rPr lang="en-US" dirty="0" smtClean="0"/>
-              <a:t>FPGAs vs GPUs</a:t>
+              <a:t>PAC Applications</a:t>
             </a:r>
             <a:endParaRPr lang="en-US" dirty="0"/>
           </a:p>
@@ -12918,7 +13456,222 @@
         </p:nvSpPr>
         <p:spPr>
           <a:xfrm>
-            <a:off x="1785257" y="1116013"/>
+            <a:off x="1823108" y="1148779"/>
+            <a:ext cx="8844891" cy="5078791"/>
+          </a:xfrm>
+        </p:spPr>
+        <p:txBody>
+          <a:bodyPr/>
+          <a:lstStyle/>
+          <a:p>
+            <a:r>
+              <a:rPr lang="en-US" sz="2400" dirty="0"/>
+              <a:t>Where is PAC used?</a:t>
+            </a:r>
+          </a:p>
+          <a:p>
+            <a:pPr lvl="1"/>
+            <a:r>
+              <a:rPr lang="en-US" sz="2000" dirty="0"/>
+              <a:t>Networking</a:t>
+            </a:r>
+          </a:p>
+          <a:p>
+            <a:pPr lvl="2"/>
+            <a:r>
+              <a:rPr lang="en-US" sz="1600" dirty="0"/>
+              <a:t>Security, monitoring, function virtualization</a:t>
+            </a:r>
+          </a:p>
+          <a:p>
+            <a:pPr lvl="1"/>
+            <a:r>
+              <a:rPr lang="en-US" sz="2000" dirty="0"/>
+              <a:t>Streaming analytics</a:t>
+            </a:r>
+          </a:p>
+          <a:p>
+            <a:pPr lvl="1"/>
+            <a:r>
+              <a:rPr lang="en-US" sz="2000" dirty="0"/>
+              <a:t>Financial technology (Fintech)</a:t>
+            </a:r>
+          </a:p>
+          <a:p>
+            <a:pPr lvl="2"/>
+            <a:r>
+              <a:rPr lang="en-US" sz="1600" dirty="0"/>
+              <a:t>Banking, investment, risk management</a:t>
+            </a:r>
+          </a:p>
+          <a:p>
+            <a:pPr lvl="1"/>
+            <a:r>
+              <a:rPr lang="en-US" sz="2000" dirty="0"/>
+              <a:t>Genomic sequencing</a:t>
+            </a:r>
+          </a:p>
+          <a:p>
+            <a:pPr lvl="1"/>
+            <a:r>
+              <a:rPr lang="en-US" sz="2000" dirty="0"/>
+              <a:t>Video transcoding, media processing</a:t>
+            </a:r>
+          </a:p>
+          <a:p>
+            <a:pPr lvl="1"/>
+            <a:r>
+              <a:rPr lang="en-US" sz="2000" dirty="0"/>
+              <a:t>Machine learning</a:t>
+            </a:r>
+          </a:p>
+          <a:p>
+            <a:pPr lvl="1"/>
+            <a:r>
+              <a:rPr lang="en-US" sz="2000" dirty="0"/>
+              <a:t>Anything with significant parallelism</a:t>
+            </a:r>
+          </a:p>
+          <a:p>
+            <a:pPr marL="461962" lvl="1" indent="0">
+              <a:buNone/>
+            </a:pPr>
+            <a:endParaRPr lang="en-US" sz="2000" dirty="0"/>
+          </a:p>
+          <a:p>
+            <a:r>
+              <a:rPr lang="en-US" sz="2400" dirty="0"/>
+              <a:t>See Intel FPGA Acceleration Hub for detailed examples</a:t>
+            </a:r>
+          </a:p>
+          <a:p>
+            <a:pPr lvl="1"/>
+            <a:r>
+              <a:rPr lang="en-US" sz="1800" dirty="0">
+                <a:hlinkClick r:id="rId2"/>
+              </a:rPr>
+              <a:t>https://www.intel.com/content/www/us/en/programmable/solutions/acceleration-hub/solutions.html</a:t>
+            </a:r>
+            <a:endParaRPr lang="en-US" sz="1800" dirty="0"/>
+          </a:p>
+          <a:p>
+            <a:endParaRPr lang="en-US" dirty="0"/>
+          </a:p>
+        </p:txBody>
+      </p:sp>
+    </p:spTree>
+    <p:extLst>
+      <p:ext uri="{BB962C8B-B14F-4D97-AF65-F5344CB8AC3E}">
+        <p14:creationId xmlns:p14="http://schemas.microsoft.com/office/powerpoint/2010/main" val="1017356085"/>
+      </p:ext>
+    </p:extLst>
+  </p:cSld>
+  <p:clrMapOvr>
+    <a:masterClrMapping/>
+  </p:clrMapOvr>
+  <p:transition spd="med" advTm="100827"/>
+  <p:timing>
+    <p:tnLst>
+      <p:par>
+        <p:cTn id="1" dur="indefinite" restart="never" nodeType="tmRoot"/>
+      </p:par>
+    </p:tnLst>
+  </p:timing>
+</p:sld>
+</file>
+
+<file path=ppt/slides/slide5.xml><?xml version="1.0" encoding="utf-8"?>
+<p:sld xmlns:a="http://schemas.openxmlformats.org/drawingml/2006/main" xmlns:r="http://schemas.openxmlformats.org/officeDocument/2006/relationships" xmlns:p="http://schemas.openxmlformats.org/presentationml/2006/main">
+  <p:cSld>
+    <p:spTree>
+      <p:nvGrpSpPr>
+        <p:cNvPr id="1" name=""/>
+        <p:cNvGrpSpPr/>
+        <p:nvPr/>
+      </p:nvGrpSpPr>
+      <p:grpSpPr>
+        <a:xfrm>
+          <a:off x="0" y="0"/>
+          <a:ext cx="0" cy="0"/>
+          <a:chOff x="0" y="0"/>
+          <a:chExt cx="0" cy="0"/>
+        </a:xfrm>
+      </p:grpSpPr>
+      <p:sp>
+        <p:nvSpPr>
+          <p:cNvPr id="2" name="Title 1"/>
+          <p:cNvSpPr>
+            <a:spLocks noGrp="1"/>
+          </p:cNvSpPr>
+          <p:nvPr>
+            <p:ph type="title"/>
+          </p:nvPr>
+        </p:nvSpPr>
+        <p:spPr>
+          <a:xfrm>
+            <a:off x="1785257" y="0"/>
+            <a:ext cx="6984259" cy="866180"/>
+          </a:xfrm>
+        </p:spPr>
+        <p:txBody>
+          <a:bodyPr/>
+          <a:lstStyle/>
+          <a:p>
+            <a:r>
+              <a:rPr lang="en-US" dirty="0" smtClean="0"/>
+              <a:t>FPGAs vs GPUs</a:t>
+            </a:r>
+            <a:endParaRPr lang="en-US" dirty="0"/>
+          </a:p>
+        </p:txBody>
+      </p:sp>
+      <p:sp>
+        <p:nvSpPr>
+          <p:cNvPr id="4" name="Slide Number Placeholder 3"/>
+          <p:cNvSpPr>
+            <a:spLocks noGrp="1"/>
+          </p:cNvSpPr>
+          <p:nvPr>
+            <p:ph type="sldNum" sz="quarter" idx="10"/>
+          </p:nvPr>
+        </p:nvSpPr>
+        <p:spPr>
+          <a:xfrm>
+            <a:off x="6051121" y="6510169"/>
+            <a:ext cx="89768" cy="194669"/>
+          </a:xfrm>
+        </p:spPr>
+        <p:txBody>
+          <a:bodyPr/>
+          <a:lstStyle/>
+          <a:p>
+            <a:pPr>
+              <a:defRPr/>
+            </a:pPr>
+            <a:fld id="{D3046D45-FC88-4EF3-BBF3-C3E9EDC4F79A}" type="slidenum">
+              <a:rPr lang="en-US" smtClean="0"/>
+              <a:pPr>
+                <a:defRPr/>
+              </a:pPr>
+              <a:t>5</a:t>
+            </a:fld>
+            <a:endParaRPr lang="en-US"/>
+          </a:p>
+        </p:txBody>
+      </p:sp>
+      <p:sp>
+        <p:nvSpPr>
+          <p:cNvPr id="3" name="Text Placeholder 2"/>
+          <p:cNvSpPr>
+            <a:spLocks noGrp="1"/>
+          </p:cNvSpPr>
+          <p:nvPr>
+            <p:ph type="body" sz="quarter" idx="11"/>
+          </p:nvPr>
+        </p:nvSpPr>
+        <p:spPr>
+          <a:xfrm>
+            <a:off x="1360384" y="1148779"/>
             <a:ext cx="10144030" cy="5078791"/>
           </a:xfrm>
         </p:spPr>
@@ -13052,7 +13805,7 @@
   <p:clrMapOvr>
     <a:masterClrMapping/>
   </p:clrMapOvr>
-  <p:transition spd="med"/>
+  <p:transition spd="med" advTm="214913"/>
   <p:timing>
     <p:tnLst>
       <p:par>
@@ -13063,7 +13816,7 @@
 </p:sld>
 </file>
 
-<file path=ppt/slides/slide5.xml><?xml version="1.0" encoding="utf-8"?>
+<file path=ppt/slides/slide6.xml><?xml version="1.0" encoding="utf-8"?>
 <p:sld xmlns:a="http://schemas.openxmlformats.org/drawingml/2006/main" xmlns:r="http://schemas.openxmlformats.org/officeDocument/2006/relationships" xmlns:p="http://schemas.openxmlformats.org/presentationml/2006/main">
   <p:cSld>
     <p:spTree>
@@ -13122,7 +13875,7 @@
         </p:nvSpPr>
         <p:spPr>
           <a:xfrm>
-            <a:off x="2669137" y="0"/>
+            <a:off x="1736264" y="0"/>
             <a:ext cx="7798551" cy="866180"/>
           </a:xfrm>
         </p:spPr>
@@ -13133,238 +13886,6 @@
             <a:r>
               <a:rPr lang="en-US" sz="3200" dirty="0"/>
               <a:t>Acceleration Functional Units (AFUs)</a:t>
-            </a:r>
-          </a:p>
-        </p:txBody>
-      </p:sp>
-      <p:sp>
-        <p:nvSpPr>
-          <p:cNvPr id="4" name="Slide Number Placeholder 3"/>
-          <p:cNvSpPr>
-            <a:spLocks noGrp="1"/>
-          </p:cNvSpPr>
-          <p:nvPr>
-            <p:ph type="sldNum" sz="quarter" idx="10"/>
-          </p:nvPr>
-        </p:nvSpPr>
-        <p:spPr>
-          <a:xfrm>
-            <a:off x="6051121" y="6510169"/>
-            <a:ext cx="89768" cy="194669"/>
-          </a:xfrm>
-        </p:spPr>
-        <p:txBody>
-          <a:bodyPr/>
-          <a:lstStyle/>
-          <a:p>
-            <a:pPr>
-              <a:defRPr/>
-            </a:pPr>
-            <a:fld id="{D3046D45-FC88-4EF3-BBF3-C3E9EDC4F79A}" type="slidenum">
-              <a:rPr lang="en-US" smtClean="0"/>
-              <a:pPr>
-                <a:defRPr/>
-              </a:pPr>
-              <a:t>5</a:t>
-            </a:fld>
-            <a:endParaRPr lang="en-US"/>
-          </a:p>
-        </p:txBody>
-      </p:sp>
-      <p:sp>
-        <p:nvSpPr>
-          <p:cNvPr id="5" name="Text Placeholder 4"/>
-          <p:cNvSpPr>
-            <a:spLocks noGrp="1"/>
-          </p:cNvSpPr>
-          <p:nvPr>
-            <p:ph type="body" sz="quarter" idx="11"/>
-          </p:nvPr>
-        </p:nvSpPr>
-        <p:spPr>
-          <a:xfrm>
-            <a:off x="1627014" y="1052006"/>
-            <a:ext cx="4661011" cy="5078791"/>
-          </a:xfrm>
-        </p:spPr>
-        <p:txBody>
-          <a:bodyPr/>
-          <a:lstStyle/>
-          <a:p>
-            <a:r>
-              <a:rPr lang="en-US" sz="2400" dirty="0"/>
-              <a:t>Intel refers to custom hardware in FPGA as “AFU”</a:t>
-            </a:r>
-          </a:p>
-          <a:p>
-            <a:r>
-              <a:rPr lang="en-US" sz="2400" dirty="0"/>
-              <a:t>Common PAC application:</a:t>
-            </a:r>
-          </a:p>
-          <a:p>
-            <a:pPr lvl="1"/>
-            <a:r>
-              <a:rPr lang="en-US" sz="2000" dirty="0"/>
-              <a:t>Software on host processor</a:t>
-            </a:r>
-          </a:p>
-          <a:p>
-            <a:pPr lvl="1"/>
-            <a:r>
-              <a:rPr lang="en-US" sz="2000" dirty="0"/>
-              <a:t>AFU running on PAC’s FPGA</a:t>
-            </a:r>
-          </a:p>
-          <a:p>
-            <a:r>
-              <a:rPr lang="en-US" sz="2400" dirty="0"/>
-              <a:t>Host processor uses OPAE API for FPGA communication</a:t>
-            </a:r>
-          </a:p>
-          <a:p>
-            <a:pPr lvl="1"/>
-            <a:r>
-              <a:rPr lang="en-US" sz="2000" dirty="0"/>
-              <a:t>Open Programmable   Acceleration Engine</a:t>
-            </a:r>
-          </a:p>
-          <a:p>
-            <a:r>
-              <a:rPr lang="en-US" sz="2400" dirty="0"/>
-              <a:t>FPGA Interface Manager (FIM) provides hardware interface for communication</a:t>
-            </a:r>
-          </a:p>
-        </p:txBody>
-      </p:sp>
-      <p:sp>
-        <p:nvSpPr>
-          <p:cNvPr id="6" name="TextBox 5"/>
-          <p:cNvSpPr txBox="1"/>
-          <p:nvPr/>
-        </p:nvSpPr>
-        <p:spPr>
-          <a:xfrm>
-            <a:off x="6839015" y="5283788"/>
-            <a:ext cx="3366407" cy="656590"/>
-          </a:xfrm>
-          <a:prstGeom prst="rect">
-            <a:avLst/>
-          </a:prstGeom>
-          <a:noFill/>
-          <a:ln w="12700" cap="flat">
-            <a:noFill/>
-            <a:miter lim="400000"/>
-          </a:ln>
-          <a:effectLst/>
-        </p:spPr>
-        <p:style>
-          <a:lnRef idx="0">
-            <a:scrgbClr r="0" g="0" b="0"/>
-          </a:lnRef>
-          <a:fillRef idx="0">
-            <a:scrgbClr r="0" g="0" b="0"/>
-          </a:fillRef>
-          <a:effectRef idx="0">
-            <a:scrgbClr r="0" g="0" b="0"/>
-          </a:effectRef>
-          <a:fontRef idx="none"/>
-        </p:style>
-        <p:txBody>
-          <a:bodyPr rot="0" spcFirstLastPara="1" vertOverflow="overflow" horzOverflow="overflow" vert="horz" wrap="square" lIns="50800" tIns="50800" rIns="50800" bIns="50800" numCol="1" spcCol="38100" rtlCol="0" anchor="ctr">
-            <a:spAutoFit/>
-          </a:bodyPr>
-          <a:lstStyle/>
-          <a:p>
-            <a:pPr algn="l" defTabSz="457200" rtl="0" latinLnBrk="1" hangingPunct="0"/>
-            <a:r>
-              <a:rPr lang="en-US" sz="1200" i="1" dirty="0">
-                <a:solidFill>
-                  <a:srgbClr val="000000"/>
-                </a:solidFill>
-              </a:rPr>
-              <a:t>*image from Intel Acceleration Stack Quick Start Guide for Intel® Programmable Acceleration    Card with Intel® </a:t>
-            </a:r>
-            <a:r>
-              <a:rPr lang="en-US" sz="1200" i="1" dirty="0" err="1">
-                <a:solidFill>
-                  <a:srgbClr val="000000"/>
-                </a:solidFill>
-              </a:rPr>
-              <a:t>Arria</a:t>
-            </a:r>
-            <a:r>
-              <a:rPr lang="en-US" sz="1200" i="1" dirty="0">
-                <a:solidFill>
-                  <a:srgbClr val="000000"/>
-                </a:solidFill>
-              </a:rPr>
-              <a:t>® 10 GX FPGA</a:t>
-            </a:r>
-          </a:p>
-        </p:txBody>
-      </p:sp>
-    </p:spTree>
-    <p:extLst>
-      <p:ext uri="{BB962C8B-B14F-4D97-AF65-F5344CB8AC3E}">
-        <p14:creationId xmlns:p14="http://schemas.microsoft.com/office/powerpoint/2010/main" val="3193085708"/>
-      </p:ext>
-    </p:extLst>
-  </p:cSld>
-  <p:clrMapOvr>
-    <a:masterClrMapping/>
-  </p:clrMapOvr>
-  <p:transition spd="med"/>
-  <p:timing>
-    <p:tnLst>
-      <p:par>
-        <p:cTn id="1" dur="indefinite" restart="never" nodeType="tmRoot"/>
-      </p:par>
-    </p:tnLst>
-  </p:timing>
-</p:sld>
-</file>
-
-<file path=ppt/slides/slide6.xml><?xml version="1.0" encoding="utf-8"?>
-<p:sld xmlns:a="http://schemas.openxmlformats.org/drawingml/2006/main" xmlns:r="http://schemas.openxmlformats.org/officeDocument/2006/relationships" xmlns:p="http://schemas.openxmlformats.org/presentationml/2006/main">
-  <p:cSld>
-    <p:spTree>
-      <p:nvGrpSpPr>
-        <p:cNvPr id="1" name=""/>
-        <p:cNvGrpSpPr/>
-        <p:nvPr/>
-      </p:nvGrpSpPr>
-      <p:grpSpPr>
-        <a:xfrm>
-          <a:off x="0" y="0"/>
-          <a:ext cx="0" cy="0"/>
-          <a:chOff x="0" y="0"/>
-          <a:chExt cx="0" cy="0"/>
-        </a:xfrm>
-      </p:grpSpPr>
-      <p:sp>
-        <p:nvSpPr>
-          <p:cNvPr id="2" name="Title 1"/>
-          <p:cNvSpPr>
-            <a:spLocks noGrp="1"/>
-          </p:cNvSpPr>
-          <p:nvPr>
-            <p:ph type="title"/>
-          </p:nvPr>
-        </p:nvSpPr>
-        <p:spPr>
-          <a:xfrm>
-            <a:off x="2669137" y="0"/>
-            <a:ext cx="7798551" cy="866180"/>
-          </a:xfrm>
-        </p:spPr>
-        <p:txBody>
-          <a:bodyPr/>
-          <a:lstStyle/>
-          <a:p>
-            <a:r>
-              <a:rPr lang="en-US" sz="4000" dirty="0"/>
-              <a:t>FPGA Interface Manager (FIM)</a:t>
             </a:r>
           </a:p>
         </p:txBody>
@@ -13424,6 +13945,238 @@
           <a:lstStyle/>
           <a:p>
             <a:r>
+              <a:rPr lang="en-US" sz="2400" dirty="0"/>
+              <a:t>Intel refers to custom hardware in FPGA as “AFU”</a:t>
+            </a:r>
+          </a:p>
+          <a:p>
+            <a:r>
+              <a:rPr lang="en-US" sz="2400" dirty="0"/>
+              <a:t>Common PAC application:</a:t>
+            </a:r>
+          </a:p>
+          <a:p>
+            <a:pPr lvl="1"/>
+            <a:r>
+              <a:rPr lang="en-US" sz="2000" dirty="0"/>
+              <a:t>Software on host processor</a:t>
+            </a:r>
+          </a:p>
+          <a:p>
+            <a:pPr lvl="1"/>
+            <a:r>
+              <a:rPr lang="en-US" sz="2000" dirty="0"/>
+              <a:t>AFU running on PAC’s FPGA</a:t>
+            </a:r>
+          </a:p>
+          <a:p>
+            <a:r>
+              <a:rPr lang="en-US" sz="2400" dirty="0"/>
+              <a:t>Host processor uses OPAE API for FPGA communication</a:t>
+            </a:r>
+          </a:p>
+          <a:p>
+            <a:pPr lvl="1"/>
+            <a:r>
+              <a:rPr lang="en-US" sz="2000" dirty="0"/>
+              <a:t>Open Programmable   Acceleration Engine</a:t>
+            </a:r>
+          </a:p>
+          <a:p>
+            <a:r>
+              <a:rPr lang="en-US" sz="2400" dirty="0"/>
+              <a:t>FPGA Interface Manager (FIM) provides hardware interface for communication</a:t>
+            </a:r>
+          </a:p>
+        </p:txBody>
+      </p:sp>
+      <p:sp>
+        <p:nvSpPr>
+          <p:cNvPr id="6" name="TextBox 5"/>
+          <p:cNvSpPr txBox="1"/>
+          <p:nvPr/>
+        </p:nvSpPr>
+        <p:spPr>
+          <a:xfrm>
+            <a:off x="6839015" y="5283788"/>
+            <a:ext cx="3366407" cy="656590"/>
+          </a:xfrm>
+          <a:prstGeom prst="rect">
+            <a:avLst/>
+          </a:prstGeom>
+          <a:noFill/>
+          <a:ln w="12700" cap="flat">
+            <a:noFill/>
+            <a:miter lim="400000"/>
+          </a:ln>
+          <a:effectLst/>
+        </p:spPr>
+        <p:style>
+          <a:lnRef idx="0">
+            <a:scrgbClr r="0" g="0" b="0"/>
+          </a:lnRef>
+          <a:fillRef idx="0">
+            <a:scrgbClr r="0" g="0" b="0"/>
+          </a:fillRef>
+          <a:effectRef idx="0">
+            <a:scrgbClr r="0" g="0" b="0"/>
+          </a:effectRef>
+          <a:fontRef idx="none"/>
+        </p:style>
+        <p:txBody>
+          <a:bodyPr rot="0" spcFirstLastPara="1" vertOverflow="overflow" horzOverflow="overflow" vert="horz" wrap="square" lIns="50800" tIns="50800" rIns="50800" bIns="50800" numCol="1" spcCol="38100" rtlCol="0" anchor="ctr">
+            <a:spAutoFit/>
+          </a:bodyPr>
+          <a:lstStyle/>
+          <a:p>
+            <a:pPr algn="l" defTabSz="457200" rtl="0" latinLnBrk="1" hangingPunct="0"/>
+            <a:r>
+              <a:rPr lang="en-US" sz="1200" i="1" dirty="0">
+                <a:solidFill>
+                  <a:srgbClr val="000000"/>
+                </a:solidFill>
+              </a:rPr>
+              <a:t>*image from Intel Acceleration Stack Quick Start Guide for Intel® Programmable Acceleration    Card with Intel® </a:t>
+            </a:r>
+            <a:r>
+              <a:rPr lang="en-US" sz="1200" i="1" dirty="0" err="1">
+                <a:solidFill>
+                  <a:srgbClr val="000000"/>
+                </a:solidFill>
+              </a:rPr>
+              <a:t>Arria</a:t>
+            </a:r>
+            <a:r>
+              <a:rPr lang="en-US" sz="1200" i="1" dirty="0">
+                <a:solidFill>
+                  <a:srgbClr val="000000"/>
+                </a:solidFill>
+              </a:rPr>
+              <a:t>® 10 GX FPGA</a:t>
+            </a:r>
+          </a:p>
+        </p:txBody>
+      </p:sp>
+    </p:spTree>
+    <p:extLst>
+      <p:ext uri="{BB962C8B-B14F-4D97-AF65-F5344CB8AC3E}">
+        <p14:creationId xmlns:p14="http://schemas.microsoft.com/office/powerpoint/2010/main" val="3193085708"/>
+      </p:ext>
+    </p:extLst>
+  </p:cSld>
+  <p:clrMapOvr>
+    <a:masterClrMapping/>
+  </p:clrMapOvr>
+  <p:transition spd="med" advTm="91001"/>
+  <p:timing>
+    <p:tnLst>
+      <p:par>
+        <p:cTn id="1" dur="indefinite" restart="never" nodeType="tmRoot"/>
+      </p:par>
+    </p:tnLst>
+  </p:timing>
+</p:sld>
+</file>
+
+<file path=ppt/slides/slide7.xml><?xml version="1.0" encoding="utf-8"?>
+<p:sld xmlns:a="http://schemas.openxmlformats.org/drawingml/2006/main" xmlns:r="http://schemas.openxmlformats.org/officeDocument/2006/relationships" xmlns:p="http://schemas.openxmlformats.org/presentationml/2006/main">
+  <p:cSld>
+    <p:spTree>
+      <p:nvGrpSpPr>
+        <p:cNvPr id="1" name=""/>
+        <p:cNvGrpSpPr/>
+        <p:nvPr/>
+      </p:nvGrpSpPr>
+      <p:grpSpPr>
+        <a:xfrm>
+          <a:off x="0" y="0"/>
+          <a:ext cx="0" cy="0"/>
+          <a:chOff x="0" y="0"/>
+          <a:chExt cx="0" cy="0"/>
+        </a:xfrm>
+      </p:grpSpPr>
+      <p:sp>
+        <p:nvSpPr>
+          <p:cNvPr id="2" name="Title 1"/>
+          <p:cNvSpPr>
+            <a:spLocks noGrp="1"/>
+          </p:cNvSpPr>
+          <p:nvPr>
+            <p:ph type="title"/>
+          </p:nvPr>
+        </p:nvSpPr>
+        <p:spPr>
+          <a:xfrm>
+            <a:off x="1754737" y="-3860"/>
+            <a:ext cx="7798551" cy="866180"/>
+          </a:xfrm>
+        </p:spPr>
+        <p:txBody>
+          <a:bodyPr/>
+          <a:lstStyle/>
+          <a:p>
+            <a:r>
+              <a:rPr lang="en-US" sz="4000" dirty="0"/>
+              <a:t>FPGA Interface Manager (FIM)</a:t>
+            </a:r>
+          </a:p>
+        </p:txBody>
+      </p:sp>
+      <p:sp>
+        <p:nvSpPr>
+          <p:cNvPr id="4" name="Slide Number Placeholder 3"/>
+          <p:cNvSpPr>
+            <a:spLocks noGrp="1"/>
+          </p:cNvSpPr>
+          <p:nvPr>
+            <p:ph type="sldNum" sz="quarter" idx="10"/>
+          </p:nvPr>
+        </p:nvSpPr>
+        <p:spPr>
+          <a:xfrm>
+            <a:off x="6051121" y="6510169"/>
+            <a:ext cx="89768" cy="194669"/>
+          </a:xfrm>
+        </p:spPr>
+        <p:txBody>
+          <a:bodyPr/>
+          <a:lstStyle/>
+          <a:p>
+            <a:pPr>
+              <a:defRPr/>
+            </a:pPr>
+            <a:fld id="{D3046D45-FC88-4EF3-BBF3-C3E9EDC4F79A}" type="slidenum">
+              <a:rPr lang="en-US" smtClean="0"/>
+              <a:pPr>
+                <a:defRPr/>
+              </a:pPr>
+              <a:t>7</a:t>
+            </a:fld>
+            <a:endParaRPr lang="en-US"/>
+          </a:p>
+        </p:txBody>
+      </p:sp>
+      <p:sp>
+        <p:nvSpPr>
+          <p:cNvPr id="5" name="Text Placeholder 4"/>
+          <p:cNvSpPr>
+            <a:spLocks noGrp="1"/>
+          </p:cNvSpPr>
+          <p:nvPr>
+            <p:ph type="body" sz="quarter" idx="11"/>
+          </p:nvPr>
+        </p:nvSpPr>
+        <p:spPr>
+          <a:xfrm>
+            <a:off x="1627014" y="1052006"/>
+            <a:ext cx="4661011" cy="5078791"/>
+          </a:xfrm>
+        </p:spPr>
+        <p:txBody>
+          <a:bodyPr/>
+          <a:lstStyle/>
+          <a:p>
+            <a:r>
               <a:rPr lang="en-US" dirty="0" smtClean="0"/>
               <a:t>FIM provides three interfaces for AFU</a:t>
             </a:r>
@@ -13614,7 +14367,7 @@
   <p:clrMapOvr>
     <a:masterClrMapping/>
   </p:clrMapOvr>
-  <p:transition spd="med"/>
+  <p:transition spd="med" advTm="89543"/>
   <p:timing>
     <p:tnLst>
       <p:par>
@@ -13625,7 +14378,7 @@
 </p:sld>
 </file>
 
-<file path=ppt/slides/slide7.xml><?xml version="1.0" encoding="utf-8"?>
+<file path=ppt/slides/slide8.xml><?xml version="1.0" encoding="utf-8"?>
 <p:sld xmlns:a="http://schemas.openxmlformats.org/drawingml/2006/main" xmlns:r="http://schemas.openxmlformats.org/officeDocument/2006/relationships" xmlns:p="http://schemas.openxmlformats.org/presentationml/2006/main">
   <p:cSld>
     <p:spTree>
@@ -13654,7 +14407,7 @@
         </p:nvSpPr>
         <p:spPr>
           <a:xfrm>
-            <a:off x="3161211" y="0"/>
+            <a:off x="1627012" y="0"/>
             <a:ext cx="7306477" cy="866180"/>
           </a:xfrm>
         </p:spPr>
@@ -13697,7 +14450,7 @@
               <a:pPr>
                 <a:defRPr/>
               </a:pPr>
-              <a:t>7</a:t>
+              <a:t>8</a:t>
             </a:fld>
             <a:endParaRPr lang="en-US"/>
           </a:p>
@@ -13884,7 +14637,7 @@
   <p:clrMapOvr>
     <a:masterClrMapping/>
   </p:clrMapOvr>
-  <p:transition spd="med"/>
+  <p:transition spd="med" advTm="297800"/>
   <p:timing>
     <p:tnLst>
       <p:par>
@@ -14329,7 +15082,7 @@
 </p:sld>
 </file>
 
-<file path=ppt/slides/slide8.xml><?xml version="1.0" encoding="utf-8"?>
+<file path=ppt/slides/slide9.xml><?xml version="1.0" encoding="utf-8"?>
 <p:sld xmlns:a="http://schemas.openxmlformats.org/drawingml/2006/main" xmlns:r="http://schemas.openxmlformats.org/officeDocument/2006/relationships" xmlns:p="http://schemas.openxmlformats.org/presentationml/2006/main">
   <p:cSld>
     <p:spTree>
@@ -14358,7 +15111,7 @@
         </p:nvSpPr>
         <p:spPr>
           <a:xfrm>
-            <a:off x="3570514" y="0"/>
+            <a:off x="1627012" y="-3860"/>
             <a:ext cx="6897174" cy="866180"/>
           </a:xfrm>
         </p:spPr>
@@ -14406,7 +15159,7 @@
               <a:pPr>
                 <a:defRPr/>
               </a:pPr>
-              <a:t>8</a:t>
+              <a:t>9</a:t>
             </a:fld>
             <a:endParaRPr lang="en-US"/>
           </a:p>
@@ -14550,7 +15303,7 @@
   <p:clrMapOvr>
     <a:masterClrMapping/>
   </p:clrMapOvr>
-  <p:transition spd="med"/>
+  <p:transition spd="med" advTm="62400"/>
   <p:timing>
     <p:tnLst>
       <p:par>
